--- a/AI_Berserkers_AI_saturation_map.pptx
+++ b/AI_Berserkers_AI_saturation_map.pptx
@@ -14,16 +14,17 @@
     <p:sldId id="259" r:id="rId9"/>
     <p:sldId id="260" r:id="rId10"/>
     <p:sldId id="261" r:id="rId11"/>
+    <p:sldId id="262" r:id="rId12"/>
   </p:sldIdLst>
   <p:sldSz cy="5143500" cx="9144000"/>
   <p:notesSz cx="6858000" cy="9144000"/>
   <p:embeddedFontLst>
     <p:embeddedFont>
       <p:font typeface="Roboto"/>
-      <p:regular r:id="rId12"/>
-      <p:bold r:id="rId13"/>
-      <p:italic r:id="rId14"/>
-      <p:boldItalic r:id="rId15"/>
+      <p:regular r:id="rId13"/>
+      <p:bold r:id="rId14"/>
+      <p:italic r:id="rId15"/>
+      <p:boldItalic r:id="rId16"/>
     </p:embeddedFont>
   </p:embeddedFontLst>
   <p:defaultTextStyle>
@@ -903,7 +904,7 @@
   <p:cSld>
     <p:spTree>
       <p:nvGrpSpPr>
-        <p:cNvPr id="102" name="Shape 102"/>
+        <p:cNvPr id="103" name="Shape 103"/>
         <p:cNvGrpSpPr/>
         <p:nvPr/>
       </p:nvGrpSpPr>
@@ -917,7 +918,7 @@
       </p:grpSpPr>
       <p:sp>
         <p:nvSpPr>
-          <p:cNvPr id="103" name="Google Shape;103;gc6f9e470d_0_24:notes"/>
+          <p:cNvPr id="104" name="Google Shape;104;gc6f9e470d_0_24:notes"/>
           <p:cNvSpPr/>
           <p:nvPr>
             <p:ph idx="2" type="sldImg"/>
@@ -952,7 +953,7 @@
       </p:sp>
       <p:sp>
         <p:nvSpPr>
-          <p:cNvPr id="104" name="Google Shape;104;gc6f9e470d_0_24:notes"/>
+          <p:cNvPr id="105" name="Google Shape;105;gc6f9e470d_0_24:notes"/>
           <p:cNvSpPr txBox="1"/>
           <p:nvPr>
             <p:ph idx="1" type="body"/>
@@ -1002,7 +1003,7 @@
   <p:cSld>
     <p:spTree>
       <p:nvGrpSpPr>
-        <p:cNvPr id="116" name="Shape 116"/>
+        <p:cNvPr id="117" name="Shape 117"/>
         <p:cNvGrpSpPr/>
         <p:nvPr/>
       </p:nvGrpSpPr>
@@ -1016,7 +1017,7 @@
       </p:grpSpPr>
       <p:sp>
         <p:nvSpPr>
-          <p:cNvPr id="117" name="Google Shape;117;ga20f514251_0_3:notes"/>
+          <p:cNvPr id="118" name="Google Shape;118;ga20f514251_0_3:notes"/>
           <p:cNvSpPr/>
           <p:nvPr>
             <p:ph idx="2" type="sldImg"/>
@@ -1051,7 +1052,7 @@
       </p:sp>
       <p:sp>
         <p:nvSpPr>
-          <p:cNvPr id="118" name="Google Shape;118;ga20f514251_0_3:notes"/>
+          <p:cNvPr id="119" name="Google Shape;119;ga20f514251_0_3:notes"/>
           <p:cNvSpPr txBox="1"/>
           <p:nvPr>
             <p:ph idx="1" type="body"/>
@@ -1101,7 +1102,7 @@
   <p:cSld>
     <p:spTree>
       <p:nvGrpSpPr>
-        <p:cNvPr id="130" name="Shape 130"/>
+        <p:cNvPr id="131" name="Shape 131"/>
         <p:cNvGrpSpPr/>
         <p:nvPr/>
       </p:nvGrpSpPr>
@@ -1115,7 +1116,7 @@
       </p:grpSpPr>
       <p:sp>
         <p:nvSpPr>
-          <p:cNvPr id="131" name="Google Shape;131;gc6f9e470d_0_37:notes"/>
+          <p:cNvPr id="132" name="Google Shape;132;gc6f9e470d_0_37:notes"/>
           <p:cNvSpPr/>
           <p:nvPr>
             <p:ph idx="2" type="sldImg"/>
@@ -1150,7 +1151,7 @@
       </p:sp>
       <p:sp>
         <p:nvSpPr>
-          <p:cNvPr id="132" name="Google Shape;132;gc6f9e470d_0_37:notes"/>
+          <p:cNvPr id="133" name="Google Shape;133;gc6f9e470d_0_37:notes"/>
           <p:cNvSpPr txBox="1"/>
           <p:nvPr>
             <p:ph idx="1" type="body"/>
@@ -1200,7 +1201,7 @@
   <p:cSld>
     <p:spTree>
       <p:nvGrpSpPr>
-        <p:cNvPr id="136" name="Shape 136"/>
+        <p:cNvPr id="137" name="Shape 137"/>
         <p:cNvGrpSpPr/>
         <p:nvPr/>
       </p:nvGrpSpPr>
@@ -1214,7 +1215,7 @@
       </p:grpSpPr>
       <p:sp>
         <p:nvSpPr>
-          <p:cNvPr id="137" name="Google Shape;137;gc6f9e470d_0_80:notes"/>
+          <p:cNvPr id="138" name="Google Shape;138;ga20f5142ba_0_25:notes"/>
           <p:cNvSpPr/>
           <p:nvPr>
             <p:ph idx="2" type="sldImg"/>
@@ -1249,7 +1250,106 @@
       </p:sp>
       <p:sp>
         <p:nvSpPr>
-          <p:cNvPr id="138" name="Google Shape;138;gc6f9e470d_0_80:notes"/>
+          <p:cNvPr id="139" name="Google Shape;139;ga20f5142ba_0_25:notes"/>
+          <p:cNvSpPr txBox="1"/>
+          <p:nvPr>
+            <p:ph idx="1" type="body"/>
+          </p:nvPr>
+        </p:nvSpPr>
+        <p:spPr>
+          <a:xfrm>
+            <a:off x="685800" y="4343400"/>
+            <a:ext cx="5486400" cy="4114800"/>
+          </a:xfrm>
+          <a:prstGeom prst="rect">
+            <a:avLst/>
+          </a:prstGeom>
+        </p:spPr>
+        <p:txBody>
+          <a:bodyPr anchorCtr="0" anchor="t" bIns="91425" lIns="91425" spcFirstLastPara="1" rIns="91425" wrap="square" tIns="91425">
+            <a:noAutofit/>
+          </a:bodyPr>
+          <a:lstStyle/>
+          <a:p>
+            <a:pPr indent="0" lvl="0" marL="0" rtl="0" algn="l">
+              <a:spcBef>
+                <a:spcPts val="0"/>
+              </a:spcBef>
+              <a:spcAft>
+                <a:spcPts val="0"/>
+              </a:spcAft>
+              <a:buNone/>
+            </a:pPr>
+            <a:r>
+              <a:t/>
+            </a:r>
+            <a:endParaRPr/>
+          </a:p>
+        </p:txBody>
+      </p:sp>
+    </p:spTree>
+  </p:cSld>
+  <p:clrMapOvr>
+    <a:masterClrMapping/>
+  </p:clrMapOvr>
+</p:notes>
+</file>
+
+<file path=ppt/notesSlides/notesSlide7.xml><?xml version="1.0" encoding="utf-8"?>
+<p:notes xmlns:a="http://schemas.openxmlformats.org/drawingml/2006/main" xmlns:r="http://schemas.openxmlformats.org/officeDocument/2006/relationships" xmlns:mc="http://schemas.openxmlformats.org/markup-compatibility/2006" xmlns:mv="urn:schemas-microsoft-com:mac:vml" xmlns:p="http://schemas.openxmlformats.org/presentationml/2006/main" xmlns:c="http://schemas.openxmlformats.org/drawingml/2006/chart" xmlns:dgm="http://schemas.openxmlformats.org/drawingml/2006/diagram" xmlns:o="urn:schemas-microsoft-com:office:office" xmlns:v="urn:schemas-microsoft-com:vml" xmlns:pvml="urn:schemas-microsoft-com:office:powerpoint" xmlns:com="http://schemas.openxmlformats.org/drawingml/2006/compatibility" xmlns:p14="http://schemas.microsoft.com/office/powerpoint/2010/main" xmlns:p15="http://schemas.microsoft.com/office/powerpoint/2012/main" xmlns:ahyp="http://schemas.microsoft.com/office/drawing/2018/hyperlinkcolor" showMasterPhAnim="0" showMasterSp="0">
+  <p:cSld>
+    <p:spTree>
+      <p:nvGrpSpPr>
+        <p:cNvPr id="143" name="Shape 143"/>
+        <p:cNvGrpSpPr/>
+        <p:nvPr/>
+      </p:nvGrpSpPr>
+      <p:grpSpPr>
+        <a:xfrm>
+          <a:off x="0" y="0"/>
+          <a:ext cx="0" cy="0"/>
+          <a:chOff x="0" y="0"/>
+          <a:chExt cx="0" cy="0"/>
+        </a:xfrm>
+      </p:grpSpPr>
+      <p:sp>
+        <p:nvSpPr>
+          <p:cNvPr id="144" name="Google Shape;144;gc6f9e470d_0_80:notes"/>
+          <p:cNvSpPr/>
+          <p:nvPr>
+            <p:ph idx="2" type="sldImg"/>
+          </p:nvPr>
+        </p:nvSpPr>
+        <p:spPr>
+          <a:xfrm>
+            <a:off x="381188" y="685800"/>
+            <a:ext cx="6096300" cy="3429000"/>
+          </a:xfrm>
+          <a:custGeom>
+            <a:rect b="b" l="l" r="r" t="t"/>
+            <a:pathLst>
+              <a:path extrusionOk="0" h="120000" w="120000">
+                <a:moveTo>
+                  <a:pt x="0" y="0"/>
+                </a:moveTo>
+                <a:lnTo>
+                  <a:pt x="120000" y="0"/>
+                </a:lnTo>
+                <a:lnTo>
+                  <a:pt x="120000" y="120000"/>
+                </a:lnTo>
+                <a:lnTo>
+                  <a:pt x="0" y="120000"/>
+                </a:lnTo>
+                <a:close/>
+              </a:path>
+            </a:pathLst>
+          </a:custGeom>
+        </p:spPr>
+      </p:sp>
+      <p:sp>
+        <p:nvSpPr>
+          <p:cNvPr id="145" name="Google Shape;145;gc6f9e470d_0_80:notes"/>
           <p:cNvSpPr txBox="1"/>
           <p:nvPr>
             <p:ph idx="1" type="body"/>
@@ -8171,7 +8271,7 @@
         </p:nvSpPr>
         <p:spPr>
           <a:xfrm>
-            <a:off x="1885988" y="1304875"/>
+            <a:off x="1068813" y="1304875"/>
             <a:ext cx="2494500" cy="461400"/>
           </a:xfrm>
           <a:prstGeom prst="rect">
@@ -8412,7 +8512,7 @@
         </p:nvSpPr>
         <p:spPr>
           <a:xfrm>
-            <a:off x="4769013" y="1304875"/>
+            <a:off x="5557088" y="1304875"/>
             <a:ext cx="2494500" cy="461400"/>
           </a:xfrm>
           <a:prstGeom prst="rect">
@@ -8512,24 +8612,9 @@
                 <a:cs typeface="Georgia"/>
                 <a:sym typeface="Georgia"/>
               </a:rPr>
-              <a:t>Archie's law, Archie's - Dahnov formula. We need more parameters. </a:t>
+              <a:t>Archie's law, Archie's - Dahnov formula. We need more parameters for the equation.We use a=1,n=2,m=2 and Pickett plot. </a:t>
             </a:r>
-            <a:r>
-              <a:rPr lang="en" sz="1600">
-                <a:solidFill>
-                  <a:srgbClr val="6F6F6F"/>
-                </a:solidFill>
-                <a:highlight>
-                  <a:srgbClr val="FDFDFD"/>
-                </a:highlight>
-                <a:latin typeface="Arial"/>
-                <a:ea typeface="Arial"/>
-                <a:cs typeface="Arial"/>
-                <a:sym typeface="Arial"/>
-              </a:rPr>
-              <a:t>a =1, m=2, n=2 and Picket chart for </a:t>
-            </a:r>
-            <a:endParaRPr sz="2250">
+            <a:endParaRPr sz="1650">
               <a:solidFill>
                 <a:srgbClr val="000000"/>
               </a:solidFill>
@@ -8552,6 +8637,29 @@
             <a:r>
               <a:t/>
             </a:r>
+            <a:endParaRPr sz="1650">
+              <a:solidFill>
+                <a:srgbClr val="000000"/>
+              </a:solidFill>
+              <a:latin typeface="Georgia"/>
+              <a:ea typeface="Georgia"/>
+              <a:cs typeface="Georgia"/>
+              <a:sym typeface="Georgia"/>
+            </a:endParaRPr>
+          </a:p>
+          <a:p>
+            <a:pPr indent="0" lvl="0" marL="0" rtl="0" algn="l">
+              <a:spcBef>
+                <a:spcPts val="1600"/>
+              </a:spcBef>
+              <a:spcAft>
+                <a:spcPts val="0"/>
+              </a:spcAft>
+              <a:buNone/>
+            </a:pPr>
+            <a:r>
+              <a:t/>
+            </a:r>
             <a:endParaRPr sz="1600"/>
           </a:p>
           <a:p>
@@ -8571,6 +8679,34 @@
           </a:p>
         </p:txBody>
       </p:sp>
+      <p:pic>
+        <p:nvPicPr>
+          <p:cNvPr id="102" name="Google Shape;102;p14"/>
+          <p:cNvPicPr preferRelativeResize="0"/>
+          <p:nvPr/>
+        </p:nvPicPr>
+        <p:blipFill>
+          <a:blip r:embed="rId3">
+            <a:alphaModFix/>
+          </a:blip>
+          <a:stretch>
+            <a:fillRect/>
+          </a:stretch>
+        </p:blipFill>
+        <p:spPr>
+          <a:xfrm>
+            <a:off x="4859887" y="4190725"/>
+            <a:ext cx="3978850" cy="676175"/>
+          </a:xfrm>
+          <a:prstGeom prst="rect">
+            <a:avLst/>
+          </a:prstGeom>
+          <a:noFill/>
+          <a:ln>
+            <a:noFill/>
+          </a:ln>
+        </p:spPr>
+      </p:pic>
     </p:spTree>
   </p:cSld>
   <p:clrMapOvr>
@@ -8584,7 +8720,7 @@
   <p:cSld>
     <p:spTree>
       <p:nvGrpSpPr>
-        <p:cNvPr id="105" name="Shape 105"/>
+        <p:cNvPr id="106" name="Shape 106"/>
         <p:cNvGrpSpPr/>
         <p:nvPr/>
       </p:nvGrpSpPr>
@@ -8598,7 +8734,7 @@
       </p:grpSpPr>
       <p:sp>
         <p:nvSpPr>
-          <p:cNvPr id="106" name="Google Shape;106;p15"/>
+          <p:cNvPr id="107" name="Google Shape;107;p15"/>
           <p:cNvSpPr txBox="1"/>
           <p:nvPr>
             <p:ph type="title"/>
@@ -8638,7 +8774,7 @@
       </p:sp>
       <p:sp>
         <p:nvSpPr>
-          <p:cNvPr id="107" name="Google Shape;107;p15"/>
+          <p:cNvPr id="108" name="Google Shape;108;p15"/>
           <p:cNvSpPr/>
           <p:nvPr/>
         </p:nvSpPr>
@@ -8683,7 +8819,7 @@
       </p:sp>
       <p:sp>
         <p:nvSpPr>
-          <p:cNvPr id="108" name="Google Shape;108;p15"/>
+          <p:cNvPr id="109" name="Google Shape;109;p15"/>
           <p:cNvSpPr txBox="1"/>
           <p:nvPr>
             <p:ph idx="4294967295" type="body"/>
@@ -8734,7 +8870,7 @@
       </p:sp>
       <p:sp>
         <p:nvSpPr>
-          <p:cNvPr id="109" name="Google Shape;109;p15"/>
+          <p:cNvPr id="110" name="Google Shape;110;p15"/>
           <p:cNvSpPr txBox="1"/>
           <p:nvPr>
             <p:ph idx="4294967295" type="body"/>
@@ -8782,7 +8918,7 @@
             </a:pPr>
             <a:r>
               <a:rPr lang="en" sz="1600"/>
-              <a:t>We try to understand how the data is organize.</a:t>
+              <a:t>We try to understand how the data is organise. It takes some time to understand but we manage it.</a:t>
             </a:r>
             <a:endParaRPr sz="1600"/>
           </a:p>
@@ -8790,7 +8926,7 @@
       </p:sp>
       <p:sp>
         <p:nvSpPr>
-          <p:cNvPr id="110" name="Google Shape;110;p15"/>
+          <p:cNvPr id="111" name="Google Shape;111;p15"/>
           <p:cNvSpPr/>
           <p:nvPr/>
         </p:nvSpPr>
@@ -8835,7 +8971,7 @@
       </p:sp>
       <p:sp>
         <p:nvSpPr>
-          <p:cNvPr id="111" name="Google Shape;111;p15"/>
+          <p:cNvPr id="112" name="Google Shape;112;p15"/>
           <p:cNvSpPr txBox="1"/>
           <p:nvPr>
             <p:ph idx="4294967295" type="body"/>
@@ -8886,7 +9022,7 @@
       </p:sp>
       <p:sp>
         <p:nvSpPr>
-          <p:cNvPr id="112" name="Google Shape;112;p15"/>
+          <p:cNvPr id="113" name="Google Shape;113;p15"/>
           <p:cNvSpPr txBox="1"/>
           <p:nvPr>
             <p:ph idx="4294967295" type="body"/>
@@ -8942,7 +9078,7 @@
       </p:sp>
       <p:sp>
         <p:nvSpPr>
-          <p:cNvPr id="113" name="Google Shape;113;p15"/>
+          <p:cNvPr id="114" name="Google Shape;114;p15"/>
           <p:cNvSpPr/>
           <p:nvPr/>
         </p:nvSpPr>
@@ -8987,7 +9123,7 @@
       </p:sp>
       <p:sp>
         <p:nvSpPr>
-          <p:cNvPr id="114" name="Google Shape;114;p15"/>
+          <p:cNvPr id="115" name="Google Shape;115;p15"/>
           <p:cNvSpPr txBox="1"/>
           <p:nvPr>
             <p:ph idx="4294967295" type="body"/>
@@ -9038,7 +9174,7 @@
       </p:sp>
       <p:sp>
         <p:nvSpPr>
-          <p:cNvPr id="115" name="Google Shape;115;p15"/>
+          <p:cNvPr id="116" name="Google Shape;116;p15"/>
           <p:cNvSpPr txBox="1"/>
           <p:nvPr>
             <p:ph idx="4294967295" type="body"/>
@@ -9105,7 +9241,7 @@
   <p:cSld>
     <p:spTree>
       <p:nvGrpSpPr>
-        <p:cNvPr id="119" name="Shape 119"/>
+        <p:cNvPr id="120" name="Shape 120"/>
         <p:cNvGrpSpPr/>
         <p:nvPr/>
       </p:nvGrpSpPr>
@@ -9119,7 +9255,7 @@
       </p:grpSpPr>
       <p:sp>
         <p:nvSpPr>
-          <p:cNvPr id="120" name="Google Shape;120;p16"/>
+          <p:cNvPr id="121" name="Google Shape;121;p16"/>
           <p:cNvSpPr txBox="1"/>
           <p:nvPr>
             <p:ph type="title"/>
@@ -9159,7 +9295,7 @@
       </p:sp>
       <p:sp>
         <p:nvSpPr>
-          <p:cNvPr id="121" name="Google Shape;121;p16"/>
+          <p:cNvPr id="122" name="Google Shape;122;p16"/>
           <p:cNvSpPr txBox="1"/>
           <p:nvPr>
             <p:ph idx="4294967295" type="body"/>
@@ -9210,7 +9346,7 @@
       </p:sp>
       <p:sp>
         <p:nvSpPr>
-          <p:cNvPr id="122" name="Google Shape;122;p16"/>
+          <p:cNvPr id="123" name="Google Shape;123;p16"/>
           <p:cNvSpPr txBox="1"/>
           <p:nvPr>
             <p:ph idx="4294967295" type="body"/>
@@ -9311,7 +9447,7 @@
       </p:sp>
       <p:sp>
         <p:nvSpPr>
-          <p:cNvPr id="123" name="Google Shape;123;p16"/>
+          <p:cNvPr id="124" name="Google Shape;124;p16"/>
           <p:cNvSpPr txBox="1"/>
           <p:nvPr>
             <p:ph idx="4294967295" type="body"/>
@@ -9362,7 +9498,7 @@
       </p:sp>
       <p:sp>
         <p:nvSpPr>
-          <p:cNvPr id="124" name="Google Shape;124;p16"/>
+          <p:cNvPr id="125" name="Google Shape;125;p16"/>
           <p:cNvSpPr txBox="1"/>
           <p:nvPr>
             <p:ph idx="4294967295" type="body"/>
@@ -9433,7 +9569,7 @@
       </p:sp>
       <p:sp>
         <p:nvSpPr>
-          <p:cNvPr id="125" name="Google Shape;125;p16"/>
+          <p:cNvPr id="126" name="Google Shape;126;p16"/>
           <p:cNvSpPr txBox="1"/>
           <p:nvPr>
             <p:ph idx="4294967295" type="body"/>
@@ -9489,7 +9625,7 @@
       </p:sp>
       <p:pic>
         <p:nvPicPr>
-          <p:cNvPr id="126" name="Google Shape;126;p16"/>
+          <p:cNvPr id="127" name="Google Shape;127;p16"/>
           <p:cNvPicPr preferRelativeResize="0"/>
           <p:nvPr/>
         </p:nvPicPr>
@@ -9517,7 +9653,7 @@
       </p:pic>
       <p:sp>
         <p:nvSpPr>
-          <p:cNvPr id="127" name="Google Shape;127;p16"/>
+          <p:cNvPr id="128" name="Google Shape;128;p16"/>
           <p:cNvSpPr txBox="1"/>
           <p:nvPr/>
         </p:nvSpPr>
@@ -9558,7 +9694,7 @@
       </p:sp>
       <p:pic>
         <p:nvPicPr>
-          <p:cNvPr id="128" name="Google Shape;128;p16"/>
+          <p:cNvPr id="129" name="Google Shape;129;p16"/>
           <p:cNvPicPr preferRelativeResize="0"/>
           <p:nvPr/>
         </p:nvPicPr>
@@ -9586,7 +9722,7 @@
       </p:pic>
       <p:pic>
         <p:nvPicPr>
-          <p:cNvPr id="129" name="Google Shape;129;p16"/>
+          <p:cNvPr id="130" name="Google Shape;130;p16"/>
           <p:cNvPicPr preferRelativeResize="0"/>
           <p:nvPr/>
         </p:nvPicPr>
@@ -9625,7 +9761,7 @@
   <p:cSld>
     <p:spTree>
       <p:nvGrpSpPr>
-        <p:cNvPr id="133" name="Shape 133"/>
+        <p:cNvPr id="134" name="Shape 134"/>
         <p:cNvGrpSpPr/>
         <p:nvPr/>
       </p:nvGrpSpPr>
@@ -9639,7 +9775,7 @@
       </p:grpSpPr>
       <p:sp>
         <p:nvSpPr>
-          <p:cNvPr id="134" name="Google Shape;134;p17"/>
+          <p:cNvPr id="135" name="Google Shape;135;p17"/>
           <p:cNvSpPr txBox="1"/>
           <p:nvPr>
             <p:ph idx="2" type="body"/>
@@ -9679,7 +9815,7 @@
       </p:sp>
       <p:pic>
         <p:nvPicPr>
-          <p:cNvPr id="135" name="Google Shape;135;p17"/>
+          <p:cNvPr id="136" name="Google Shape;136;p17"/>
           <p:cNvPicPr preferRelativeResize="0"/>
           <p:nvPr/>
         </p:nvPicPr>
@@ -9718,7 +9854,7 @@
   <p:cSld>
     <p:spTree>
       <p:nvGrpSpPr>
-        <p:cNvPr id="139" name="Shape 139"/>
+        <p:cNvPr id="140" name="Shape 140"/>
         <p:cNvGrpSpPr/>
         <p:nvPr/>
       </p:nvGrpSpPr>
@@ -9732,7 +9868,100 @@
       </p:grpSpPr>
       <p:sp>
         <p:nvSpPr>
-          <p:cNvPr id="140" name="Google Shape;140;p18"/>
+          <p:cNvPr id="141" name="Google Shape;141;p18"/>
+          <p:cNvSpPr txBox="1"/>
+          <p:nvPr>
+            <p:ph idx="2" type="body"/>
+          </p:nvPr>
+        </p:nvSpPr>
+        <p:spPr>
+          <a:xfrm>
+            <a:off x="4939500" y="770225"/>
+            <a:ext cx="3837000" cy="3695100"/>
+          </a:xfrm>
+          <a:prstGeom prst="rect">
+            <a:avLst/>
+          </a:prstGeom>
+        </p:spPr>
+        <p:txBody>
+          <a:bodyPr anchorCtr="0" anchor="ctr" bIns="91425" lIns="91425" spcFirstLastPara="1" rIns="91425" wrap="square" tIns="91425">
+            <a:noAutofit/>
+          </a:bodyPr>
+          <a:lstStyle/>
+          <a:p>
+            <a:pPr indent="0" lvl="0" marL="0" rtl="0" algn="l">
+              <a:spcBef>
+                <a:spcPts val="0"/>
+              </a:spcBef>
+              <a:spcAft>
+                <a:spcPts val="1600"/>
+              </a:spcAft>
+              <a:buNone/>
+            </a:pPr>
+            <a:r>
+              <a:rPr lang="en"/>
+              <a:t>3D Cube model.It helps us to correctly interpret the data.</a:t>
+            </a:r>
+            <a:endParaRPr/>
+          </a:p>
+        </p:txBody>
+      </p:sp>
+      <p:pic>
+        <p:nvPicPr>
+          <p:cNvPr id="142" name="Google Shape;142;p18"/>
+          <p:cNvPicPr preferRelativeResize="0"/>
+          <p:nvPr/>
+        </p:nvPicPr>
+        <p:blipFill>
+          <a:blip r:embed="rId3">
+            <a:alphaModFix/>
+          </a:blip>
+          <a:stretch>
+            <a:fillRect/>
+          </a:stretch>
+        </p:blipFill>
+        <p:spPr>
+          <a:xfrm>
+            <a:off x="166375" y="250350"/>
+            <a:ext cx="4283877" cy="3191774"/>
+          </a:xfrm>
+          <a:prstGeom prst="rect">
+            <a:avLst/>
+          </a:prstGeom>
+          <a:noFill/>
+          <a:ln>
+            <a:noFill/>
+          </a:ln>
+        </p:spPr>
+      </p:pic>
+    </p:spTree>
+  </p:cSld>
+  <p:clrMapOvr>
+    <a:masterClrMapping/>
+  </p:clrMapOvr>
+</p:sld>
+</file>
+
+<file path=ppt/slides/slide7.xml><?xml version="1.0" encoding="utf-8"?>
+<p:sld xmlns:a="http://schemas.openxmlformats.org/drawingml/2006/main" xmlns:r="http://schemas.openxmlformats.org/officeDocument/2006/relationships" xmlns:mc="http://schemas.openxmlformats.org/markup-compatibility/2006" xmlns:mv="urn:schemas-microsoft-com:mac:vml" xmlns:p="http://schemas.openxmlformats.org/presentationml/2006/main" xmlns:c="http://schemas.openxmlformats.org/drawingml/2006/chart" xmlns:dgm="http://schemas.openxmlformats.org/drawingml/2006/diagram" xmlns:o="urn:schemas-microsoft-com:office:office" xmlns:v="urn:schemas-microsoft-com:vml" xmlns:pvml="urn:schemas-microsoft-com:office:powerpoint" xmlns:com="http://schemas.openxmlformats.org/drawingml/2006/compatibility" xmlns:p14="http://schemas.microsoft.com/office/powerpoint/2010/main" xmlns:p15="http://schemas.microsoft.com/office/powerpoint/2012/main" xmlns:ahyp="http://schemas.microsoft.com/office/drawing/2018/hyperlinkcolor">
+  <p:cSld>
+    <p:spTree>
+      <p:nvGrpSpPr>
+        <p:cNvPr id="146" name="Shape 146"/>
+        <p:cNvGrpSpPr/>
+        <p:nvPr/>
+      </p:nvGrpSpPr>
+      <p:grpSpPr>
+        <a:xfrm>
+          <a:off x="0" y="0"/>
+          <a:ext cx="0" cy="0"/>
+          <a:chOff x="0" y="0"/>
+          <a:chExt cx="0" cy="0"/>
+        </a:xfrm>
+      </p:grpSpPr>
+      <p:sp>
+        <p:nvSpPr>
+          <p:cNvPr id="147" name="Google Shape;147;p19"/>
           <p:cNvSpPr txBox="1"/>
           <p:nvPr>
             <p:ph type="title"/>
@@ -9772,7 +10001,7 @@
       </p:sp>
       <p:sp>
         <p:nvSpPr>
-          <p:cNvPr id="141" name="Google Shape;141;p18"/>
+          <p:cNvPr id="148" name="Google Shape;148;p19"/>
           <p:cNvSpPr/>
           <p:nvPr/>
         </p:nvSpPr>
@@ -9819,7 +10048,7 @@
       </p:sp>
       <p:sp>
         <p:nvSpPr>
-          <p:cNvPr id="142" name="Google Shape;142;p18"/>
+          <p:cNvPr id="149" name="Google Shape;149;p19"/>
           <p:cNvSpPr/>
           <p:nvPr/>
         </p:nvSpPr>
@@ -9862,7 +10091,7 @@
       </p:sp>
       <p:sp>
         <p:nvSpPr>
-          <p:cNvPr id="143" name="Google Shape;143;p18"/>
+          <p:cNvPr id="150" name="Google Shape;150;p19"/>
           <p:cNvSpPr txBox="1"/>
           <p:nvPr>
             <p:ph idx="4294967295" type="body"/>
@@ -9913,7 +10142,7 @@
       </p:sp>
       <p:sp>
         <p:nvSpPr>
-          <p:cNvPr id="144" name="Google Shape;144;p18"/>
+          <p:cNvPr id="151" name="Google Shape;151;p19"/>
           <p:cNvSpPr txBox="1"/>
           <p:nvPr>
             <p:ph idx="4294967295" type="body"/>
@@ -9964,7 +10193,7 @@
       </p:sp>
       <p:grpSp>
         <p:nvGrpSpPr>
-          <p:cNvPr id="145" name="Google Shape;145;p18"/>
+          <p:cNvPr id="152" name="Google Shape;152;p19"/>
           <p:cNvGrpSpPr/>
           <p:nvPr/>
         </p:nvGrpSpPr>
@@ -9978,10 +10207,10 @@
         </p:grpSpPr>
         <p:cxnSp>
           <p:nvCxnSpPr>
-            <p:cNvPr id="146" name="Google Shape;146;p18"/>
+            <p:cNvPr id="153" name="Google Shape;153;p19"/>
             <p:cNvCxnSpPr>
-              <a:stCxn id="141" idx="2"/>
-              <a:endCxn id="147" idx="0"/>
+              <a:stCxn id="148" idx="2"/>
+              <a:endCxn id="154" idx="0"/>
             </p:cNvCxnSpPr>
             <p:nvPr/>
           </p:nvCxnSpPr>
@@ -10009,10 +10238,10 @@
         </p:cxnSp>
         <p:cxnSp>
           <p:nvCxnSpPr>
-            <p:cNvPr id="148" name="Google Shape;148;p18"/>
+            <p:cNvPr id="155" name="Google Shape;155;p19"/>
             <p:cNvCxnSpPr>
-              <a:stCxn id="141" idx="2"/>
-              <a:endCxn id="149" idx="0"/>
+              <a:stCxn id="148" idx="2"/>
+              <a:endCxn id="156" idx="0"/>
             </p:cNvCxnSpPr>
             <p:nvPr/>
           </p:nvCxnSpPr>
@@ -10041,7 +10270,7 @@
       </p:grpSp>
       <p:sp>
         <p:nvSpPr>
-          <p:cNvPr id="150" name="Google Shape;150;p18"/>
+          <p:cNvPr id="157" name="Google Shape;157;p19"/>
           <p:cNvSpPr/>
           <p:nvPr/>
         </p:nvSpPr>
@@ -10088,7 +10317,7 @@
       </p:sp>
       <p:sp>
         <p:nvSpPr>
-          <p:cNvPr id="147" name="Google Shape;147;p18"/>
+          <p:cNvPr id="154" name="Google Shape;154;p19"/>
           <p:cNvSpPr/>
           <p:nvPr/>
         </p:nvSpPr>
@@ -10131,7 +10360,7 @@
       </p:sp>
       <p:sp>
         <p:nvSpPr>
-          <p:cNvPr id="151" name="Google Shape;151;p18"/>
+          <p:cNvPr id="158" name="Google Shape;158;p19"/>
           <p:cNvSpPr txBox="1"/>
           <p:nvPr>
             <p:ph idx="4294967295" type="body"/>
@@ -10182,7 +10411,7 @@
       </p:sp>
       <p:sp>
         <p:nvSpPr>
-          <p:cNvPr id="152" name="Google Shape;152;p18"/>
+          <p:cNvPr id="159" name="Google Shape;159;p19"/>
           <p:cNvSpPr txBox="1"/>
           <p:nvPr>
             <p:ph idx="4294967295" type="body"/>
@@ -10233,7 +10462,7 @@
       </p:sp>
       <p:grpSp>
         <p:nvGrpSpPr>
-          <p:cNvPr id="153" name="Google Shape;153;p18"/>
+          <p:cNvPr id="160" name="Google Shape;160;p19"/>
           <p:cNvGrpSpPr/>
           <p:nvPr/>
         </p:nvGrpSpPr>
@@ -10247,10 +10476,10 @@
         </p:grpSpPr>
         <p:cxnSp>
           <p:nvCxnSpPr>
-            <p:cNvPr id="154" name="Google Shape;154;p18"/>
+            <p:cNvPr id="161" name="Google Shape;161;p19"/>
             <p:cNvCxnSpPr>
-              <a:stCxn id="150" idx="2"/>
-              <a:endCxn id="155" idx="0"/>
+              <a:stCxn id="157" idx="2"/>
+              <a:endCxn id="162" idx="0"/>
             </p:cNvCxnSpPr>
             <p:nvPr/>
           </p:nvCxnSpPr>
@@ -10276,10 +10505,10 @@
         </p:cxnSp>
         <p:cxnSp>
           <p:nvCxnSpPr>
-            <p:cNvPr id="156" name="Google Shape;156;p18"/>
+            <p:cNvPr id="163" name="Google Shape;163;p19"/>
             <p:cNvCxnSpPr>
-              <a:stCxn id="150" idx="2"/>
-              <a:endCxn id="157" idx="0"/>
+              <a:stCxn id="157" idx="2"/>
+              <a:endCxn id="164" idx="0"/>
             </p:cNvCxnSpPr>
             <p:nvPr/>
           </p:nvCxnSpPr>
@@ -10307,10 +10536,10 @@
         </p:cxnSp>
         <p:cxnSp>
           <p:nvCxnSpPr>
-            <p:cNvPr id="158" name="Google Shape;158;p18"/>
+            <p:cNvPr id="165" name="Google Shape;165;p19"/>
             <p:cNvCxnSpPr>
-              <a:stCxn id="150" idx="2"/>
-              <a:endCxn id="159" idx="0"/>
+              <a:stCxn id="157" idx="2"/>
+              <a:endCxn id="166" idx="0"/>
             </p:cNvCxnSpPr>
             <p:nvPr/>
           </p:nvCxnSpPr>
@@ -10339,7 +10568,7 @@
       </p:grpSp>
       <p:sp>
         <p:nvSpPr>
-          <p:cNvPr id="160" name="Google Shape;160;p18"/>
+          <p:cNvPr id="167" name="Google Shape;167;p19"/>
           <p:cNvSpPr/>
           <p:nvPr/>
         </p:nvSpPr>
@@ -10386,7 +10615,7 @@
       </p:sp>
       <p:sp>
         <p:nvSpPr>
-          <p:cNvPr id="157" name="Google Shape;157;p18"/>
+          <p:cNvPr id="164" name="Google Shape;164;p19"/>
           <p:cNvSpPr/>
           <p:nvPr/>
         </p:nvSpPr>
@@ -10429,7 +10658,7 @@
       </p:sp>
       <p:sp>
         <p:nvSpPr>
-          <p:cNvPr id="161" name="Google Shape;161;p18"/>
+          <p:cNvPr id="168" name="Google Shape;168;p19"/>
           <p:cNvSpPr txBox="1"/>
           <p:nvPr>
             <p:ph idx="4294967295" type="body"/>
@@ -10480,7 +10709,7 @@
       </p:sp>
       <p:sp>
         <p:nvSpPr>
-          <p:cNvPr id="162" name="Google Shape;162;p18"/>
+          <p:cNvPr id="169" name="Google Shape;169;p19"/>
           <p:cNvSpPr txBox="1"/>
           <p:nvPr>
             <p:ph idx="4294967295" type="body"/>
@@ -10531,7 +10760,7 @@
       </p:sp>
       <p:sp>
         <p:nvSpPr>
-          <p:cNvPr id="163" name="Google Shape;163;p18"/>
+          <p:cNvPr id="170" name="Google Shape;170;p19"/>
           <p:cNvSpPr/>
           <p:nvPr/>
         </p:nvSpPr>
@@ -10578,7 +10807,7 @@
       </p:sp>
       <p:sp>
         <p:nvSpPr>
-          <p:cNvPr id="155" name="Google Shape;155;p18"/>
+          <p:cNvPr id="162" name="Google Shape;162;p19"/>
           <p:cNvSpPr/>
           <p:nvPr/>
         </p:nvSpPr>
@@ -10621,7 +10850,7 @@
       </p:sp>
       <p:sp>
         <p:nvSpPr>
-          <p:cNvPr id="164" name="Google Shape;164;p18"/>
+          <p:cNvPr id="171" name="Google Shape;171;p19"/>
           <p:cNvSpPr txBox="1"/>
           <p:nvPr>
             <p:ph idx="4294967295" type="body"/>
@@ -10672,7 +10901,7 @@
       </p:sp>
       <p:sp>
         <p:nvSpPr>
-          <p:cNvPr id="165" name="Google Shape;165;p18"/>
+          <p:cNvPr id="172" name="Google Shape;172;p19"/>
           <p:cNvSpPr txBox="1"/>
           <p:nvPr>
             <p:ph idx="4294967295" type="body"/>
@@ -10723,7 +10952,7 @@
       </p:sp>
       <p:sp>
         <p:nvSpPr>
-          <p:cNvPr id="166" name="Google Shape;166;p18"/>
+          <p:cNvPr id="173" name="Google Shape;173;p19"/>
           <p:cNvSpPr/>
           <p:nvPr/>
         </p:nvSpPr>
@@ -10770,7 +10999,7 @@
       </p:sp>
       <p:sp>
         <p:nvSpPr>
-          <p:cNvPr id="159" name="Google Shape;159;p18"/>
+          <p:cNvPr id="166" name="Google Shape;166;p19"/>
           <p:cNvSpPr/>
           <p:nvPr/>
         </p:nvSpPr>
@@ -10813,7 +11042,7 @@
       </p:sp>
       <p:sp>
         <p:nvSpPr>
-          <p:cNvPr id="167" name="Google Shape;167;p18"/>
+          <p:cNvPr id="174" name="Google Shape;174;p19"/>
           <p:cNvSpPr txBox="1"/>
           <p:nvPr>
             <p:ph idx="4294967295" type="body"/>
@@ -10864,7 +11093,7 @@
       </p:sp>
       <p:sp>
         <p:nvSpPr>
-          <p:cNvPr id="168" name="Google Shape;168;p18"/>
+          <p:cNvPr id="175" name="Google Shape;175;p19"/>
           <p:cNvSpPr txBox="1"/>
           <p:nvPr>
             <p:ph idx="4294967295" type="body"/>
@@ -10915,7 +11144,7 @@
       </p:sp>
       <p:sp>
         <p:nvSpPr>
-          <p:cNvPr id="169" name="Google Shape;169;p18"/>
+          <p:cNvPr id="176" name="Google Shape;176;p19"/>
           <p:cNvSpPr/>
           <p:nvPr/>
         </p:nvSpPr>
@@ -10962,7 +11191,7 @@
       </p:sp>
       <p:sp>
         <p:nvSpPr>
-          <p:cNvPr id="149" name="Google Shape;149;p18"/>
+          <p:cNvPr id="156" name="Google Shape;156;p19"/>
           <p:cNvSpPr/>
           <p:nvPr/>
         </p:nvSpPr>
@@ -11005,7 +11234,7 @@
       </p:sp>
       <p:sp>
         <p:nvSpPr>
-          <p:cNvPr id="170" name="Google Shape;170;p18"/>
+          <p:cNvPr id="177" name="Google Shape;177;p19"/>
           <p:cNvSpPr txBox="1"/>
           <p:nvPr>
             <p:ph idx="4294967295" type="body"/>
@@ -11056,7 +11285,7 @@
       </p:sp>
       <p:sp>
         <p:nvSpPr>
-          <p:cNvPr id="171" name="Google Shape;171;p18"/>
+          <p:cNvPr id="178" name="Google Shape;178;p19"/>
           <p:cNvSpPr txBox="1"/>
           <p:nvPr>
             <p:ph idx="4294967295" type="body"/>
@@ -11107,7 +11336,7 @@
       </p:sp>
       <p:grpSp>
         <p:nvGrpSpPr>
-          <p:cNvPr id="172" name="Google Shape;172;p18"/>
+          <p:cNvPr id="179" name="Google Shape;179;p19"/>
           <p:cNvGrpSpPr/>
           <p:nvPr/>
         </p:nvGrpSpPr>
@@ -11121,10 +11350,10 @@
         </p:grpSpPr>
         <p:cxnSp>
           <p:nvCxnSpPr>
-            <p:cNvPr id="173" name="Google Shape;173;p18"/>
+            <p:cNvPr id="180" name="Google Shape;180;p19"/>
             <p:cNvCxnSpPr>
-              <a:stCxn id="169" idx="2"/>
-              <a:endCxn id="174" idx="0"/>
+              <a:stCxn id="176" idx="2"/>
+              <a:endCxn id="181" idx="0"/>
             </p:cNvCxnSpPr>
             <p:nvPr/>
           </p:nvCxnSpPr>
@@ -11152,10 +11381,10 @@
         </p:cxnSp>
         <p:cxnSp>
           <p:nvCxnSpPr>
-            <p:cNvPr id="175" name="Google Shape;175;p18"/>
+            <p:cNvPr id="182" name="Google Shape;182;p19"/>
             <p:cNvCxnSpPr>
-              <a:stCxn id="169" idx="2"/>
-              <a:endCxn id="176" idx="0"/>
+              <a:stCxn id="176" idx="2"/>
+              <a:endCxn id="183" idx="0"/>
             </p:cNvCxnSpPr>
             <p:nvPr/>
           </p:nvCxnSpPr>
@@ -11184,7 +11413,7 @@
       </p:grpSp>
       <p:sp>
         <p:nvSpPr>
-          <p:cNvPr id="177" name="Google Shape;177;p18"/>
+          <p:cNvPr id="184" name="Google Shape;184;p19"/>
           <p:cNvSpPr/>
           <p:nvPr/>
         </p:nvSpPr>
@@ -11231,7 +11460,7 @@
       </p:sp>
       <p:sp>
         <p:nvSpPr>
-          <p:cNvPr id="174" name="Google Shape;174;p18"/>
+          <p:cNvPr id="181" name="Google Shape;181;p19"/>
           <p:cNvSpPr/>
           <p:nvPr/>
         </p:nvSpPr>
@@ -11274,7 +11503,7 @@
       </p:sp>
       <p:sp>
         <p:nvSpPr>
-          <p:cNvPr id="178" name="Google Shape;178;p18"/>
+          <p:cNvPr id="185" name="Google Shape;185;p19"/>
           <p:cNvSpPr txBox="1"/>
           <p:nvPr>
             <p:ph idx="4294967295" type="body"/>
@@ -11325,7 +11554,7 @@
       </p:sp>
       <p:sp>
         <p:nvSpPr>
-          <p:cNvPr id="179" name="Google Shape;179;p18"/>
+          <p:cNvPr id="186" name="Google Shape;186;p19"/>
           <p:cNvSpPr txBox="1"/>
           <p:nvPr>
             <p:ph idx="4294967295" type="body"/>
@@ -11376,7 +11605,7 @@
       </p:sp>
       <p:sp>
         <p:nvSpPr>
-          <p:cNvPr id="180" name="Google Shape;180;p18"/>
+          <p:cNvPr id="187" name="Google Shape;187;p19"/>
           <p:cNvSpPr/>
           <p:nvPr/>
         </p:nvSpPr>
@@ -11423,7 +11652,7 @@
       </p:sp>
       <p:sp>
         <p:nvSpPr>
-          <p:cNvPr id="176" name="Google Shape;176;p18"/>
+          <p:cNvPr id="183" name="Google Shape;183;p19"/>
           <p:cNvSpPr/>
           <p:nvPr/>
         </p:nvSpPr>
@@ -11466,7 +11695,7 @@
       </p:sp>
       <p:sp>
         <p:nvSpPr>
-          <p:cNvPr id="181" name="Google Shape;181;p18"/>
+          <p:cNvPr id="188" name="Google Shape;188;p19"/>
           <p:cNvSpPr txBox="1"/>
           <p:nvPr>
             <p:ph idx="4294967295" type="body"/>
@@ -11517,7 +11746,7 @@
       </p:sp>
       <p:sp>
         <p:nvSpPr>
-          <p:cNvPr id="182" name="Google Shape;182;p18"/>
+          <p:cNvPr id="189" name="Google Shape;189;p19"/>
           <p:cNvSpPr txBox="1"/>
           <p:nvPr>
             <p:ph idx="4294967295" type="body"/>
